--- a/Lecture/Cybersecurity_for_national_Defense_23_2/국방사이버보안_3강.pptx
+++ b/Lecture/Cybersecurity_for_national_Defense_23_2/국방사이버보안_3강.pptx
@@ -8,17 +8,16 @@
     <p:sldId id="257" r:id="rId2"/>
     <p:sldId id="363" r:id="rId3"/>
     <p:sldId id="648" r:id="rId4"/>
-    <p:sldId id="647" r:id="rId5"/>
-    <p:sldId id="649" r:id="rId6"/>
-    <p:sldId id="650" r:id="rId7"/>
-    <p:sldId id="651" r:id="rId8"/>
-    <p:sldId id="364" r:id="rId9"/>
-    <p:sldId id="635" r:id="rId10"/>
-    <p:sldId id="674" r:id="rId11"/>
-    <p:sldId id="385" r:id="rId12"/>
-    <p:sldId id="641" r:id="rId13"/>
-    <p:sldId id="639" r:id="rId14"/>
-    <p:sldId id="640" r:id="rId15"/>
+    <p:sldId id="649" r:id="rId5"/>
+    <p:sldId id="650" r:id="rId6"/>
+    <p:sldId id="651" r:id="rId7"/>
+    <p:sldId id="364" r:id="rId8"/>
+    <p:sldId id="635" r:id="rId9"/>
+    <p:sldId id="674" r:id="rId10"/>
+    <p:sldId id="385" r:id="rId11"/>
+    <p:sldId id="641" r:id="rId12"/>
+    <p:sldId id="639" r:id="rId13"/>
+    <p:sldId id="640" r:id="rId14"/>
   </p:sldIdLst>
   <p:sldSz cx="12192000" cy="6858000"/>
   <p:notesSz cx="6858000" cy="9144000"/>
@@ -272,7 +271,7 @@
           <a:p>
             <a:fld id="{B1744219-2105-4AA9-95D4-700DB886B9DA}" type="datetimeFigureOut">
               <a:rPr lang="ko-KR" altLang="en-US" smtClean="0"/>
-              <a:t>2023-08-29</a:t>
+              <a:t>2023-10-10</a:t>
             </a:fld>
             <a:endParaRPr lang="ko-KR" altLang="en-US"/>
           </a:p>
@@ -470,7 +469,7 @@
           <a:p>
             <a:fld id="{B1744219-2105-4AA9-95D4-700DB886B9DA}" type="datetimeFigureOut">
               <a:rPr lang="ko-KR" altLang="en-US" smtClean="0"/>
-              <a:t>2023-08-29</a:t>
+              <a:t>2023-10-10</a:t>
             </a:fld>
             <a:endParaRPr lang="ko-KR" altLang="en-US"/>
           </a:p>
@@ -678,7 +677,7 @@
           <a:p>
             <a:fld id="{B1744219-2105-4AA9-95D4-700DB886B9DA}" type="datetimeFigureOut">
               <a:rPr lang="ko-KR" altLang="en-US" smtClean="0"/>
-              <a:t>2023-08-29</a:t>
+              <a:t>2023-10-10</a:t>
             </a:fld>
             <a:endParaRPr lang="ko-KR" altLang="en-US"/>
           </a:p>
@@ -876,7 +875,7 @@
           <a:p>
             <a:fld id="{B1744219-2105-4AA9-95D4-700DB886B9DA}" type="datetimeFigureOut">
               <a:rPr lang="ko-KR" altLang="en-US" smtClean="0"/>
-              <a:t>2023-08-29</a:t>
+              <a:t>2023-10-10</a:t>
             </a:fld>
             <a:endParaRPr lang="ko-KR" altLang="en-US"/>
           </a:p>
@@ -1151,7 +1150,7 @@
           <a:p>
             <a:fld id="{B1744219-2105-4AA9-95D4-700DB886B9DA}" type="datetimeFigureOut">
               <a:rPr lang="ko-KR" altLang="en-US" smtClean="0"/>
-              <a:t>2023-08-29</a:t>
+              <a:t>2023-10-10</a:t>
             </a:fld>
             <a:endParaRPr lang="ko-KR" altLang="en-US"/>
           </a:p>
@@ -1416,7 +1415,7 @@
           <a:p>
             <a:fld id="{B1744219-2105-4AA9-95D4-700DB886B9DA}" type="datetimeFigureOut">
               <a:rPr lang="ko-KR" altLang="en-US" smtClean="0"/>
-              <a:t>2023-08-29</a:t>
+              <a:t>2023-10-10</a:t>
             </a:fld>
             <a:endParaRPr lang="ko-KR" altLang="en-US"/>
           </a:p>
@@ -1828,7 +1827,7 @@
           <a:p>
             <a:fld id="{B1744219-2105-4AA9-95D4-700DB886B9DA}" type="datetimeFigureOut">
               <a:rPr lang="ko-KR" altLang="en-US" smtClean="0"/>
-              <a:t>2023-08-29</a:t>
+              <a:t>2023-10-10</a:t>
             </a:fld>
             <a:endParaRPr lang="ko-KR" altLang="en-US"/>
           </a:p>
@@ -1969,7 +1968,7 @@
           <a:p>
             <a:fld id="{B1744219-2105-4AA9-95D4-700DB886B9DA}" type="datetimeFigureOut">
               <a:rPr lang="ko-KR" altLang="en-US" smtClean="0"/>
-              <a:t>2023-08-29</a:t>
+              <a:t>2023-10-10</a:t>
             </a:fld>
             <a:endParaRPr lang="ko-KR" altLang="en-US"/>
           </a:p>
@@ -2082,7 +2081,7 @@
           <a:p>
             <a:fld id="{B1744219-2105-4AA9-95D4-700DB886B9DA}" type="datetimeFigureOut">
               <a:rPr lang="ko-KR" altLang="en-US" smtClean="0"/>
-              <a:t>2023-08-29</a:t>
+              <a:t>2023-10-10</a:t>
             </a:fld>
             <a:endParaRPr lang="ko-KR" altLang="en-US"/>
           </a:p>
@@ -2393,7 +2392,7 @@
           <a:p>
             <a:fld id="{B1744219-2105-4AA9-95D4-700DB886B9DA}" type="datetimeFigureOut">
               <a:rPr lang="ko-KR" altLang="en-US" smtClean="0"/>
-              <a:t>2023-08-29</a:t>
+              <a:t>2023-10-10</a:t>
             </a:fld>
             <a:endParaRPr lang="ko-KR" altLang="en-US"/>
           </a:p>
@@ -2681,7 +2680,7 @@
           <a:p>
             <a:fld id="{B1744219-2105-4AA9-95D4-700DB886B9DA}" type="datetimeFigureOut">
               <a:rPr lang="ko-KR" altLang="en-US" smtClean="0"/>
-              <a:t>2023-08-29</a:t>
+              <a:t>2023-10-10</a:t>
             </a:fld>
             <a:endParaRPr lang="ko-KR" altLang="en-US"/>
           </a:p>
@@ -2922,7 +2921,7 @@
           <a:p>
             <a:fld id="{B1744219-2105-4AA9-95D4-700DB886B9DA}" type="datetimeFigureOut">
               <a:rPr lang="ko-KR" altLang="en-US" smtClean="0"/>
-              <a:t>2023-08-29</a:t>
+              <a:t>2023-10-10</a:t>
             </a:fld>
             <a:endParaRPr lang="ko-KR" altLang="en-US"/>
           </a:p>
@@ -3390,11 +3389,11 @@
           <a:lstStyle/>
           <a:p>
             <a:r>
-              <a:rPr lang="en-US" altLang="ko-KR" dirty="0"/>
-              <a:t>5</a:t>
-            </a:r>
-            <a:r>
-              <a:rPr lang="ko-KR" altLang="en-US" dirty="0"/>
+              <a:rPr lang="en-US" altLang="ko-KR"/>
+              <a:t>3</a:t>
+            </a:r>
+            <a:r>
+              <a:rPr lang="ko-KR" altLang="en-US"/>
               <a:t>주차</a:t>
             </a:r>
             <a:endParaRPr lang="en-US" altLang="ko-KR" dirty="0"/>
@@ -3415,127 +3414,6 @@
 </file>
 
 <file path=ppt/slides/slide10.xml><?xml version="1.0" encoding="utf-8"?>
-<p:sld xmlns:a="http://schemas.openxmlformats.org/drawingml/2006/main" xmlns:r="http://schemas.openxmlformats.org/officeDocument/2006/relationships" xmlns:p="http://schemas.openxmlformats.org/presentationml/2006/main">
-  <p:cSld>
-    <p:spTree>
-      <p:nvGrpSpPr>
-        <p:cNvPr id="1" name=""/>
-        <p:cNvGrpSpPr/>
-        <p:nvPr/>
-      </p:nvGrpSpPr>
-      <p:grpSpPr>
-        <a:xfrm>
-          <a:off x="0" y="0"/>
-          <a:ext cx="0" cy="0"/>
-          <a:chOff x="0" y="0"/>
-          <a:chExt cx="0" cy="0"/>
-        </a:xfrm>
-      </p:grpSpPr>
-      <p:sp>
-        <p:nvSpPr>
-          <p:cNvPr id="2" name="제목 1">
-            <a:extLst>
-              <a:ext uri="{FF2B5EF4-FFF2-40B4-BE49-F238E27FC236}">
-                <a16:creationId xmlns:a16="http://schemas.microsoft.com/office/drawing/2014/main" id="{FDE4188D-53A4-45B4-8ABF-6ADB9C55A222}"/>
-              </a:ext>
-            </a:extLst>
-          </p:cNvPr>
-          <p:cNvSpPr>
-            <a:spLocks noGrp="1"/>
-          </p:cNvSpPr>
-          <p:nvPr>
-            <p:ph type="title"/>
-          </p:nvPr>
-        </p:nvSpPr>
-        <p:spPr/>
-        <p:txBody>
-          <a:bodyPr/>
-          <a:lstStyle/>
-          <a:p>
-            <a:r>
-              <a:rPr lang="ko-KR" altLang="en-US"/>
-              <a:t>왜 일어날까</a:t>
-            </a:r>
-            <a:r>
-              <a:rPr lang="en-US" altLang="ko-KR"/>
-              <a:t>?</a:t>
-            </a:r>
-            <a:endParaRPr lang="ko-KR" altLang="en-US"/>
-          </a:p>
-        </p:txBody>
-      </p:sp>
-      <p:sp>
-        <p:nvSpPr>
-          <p:cNvPr id="3" name="내용 개체 틀 2">
-            <a:extLst>
-              <a:ext uri="{FF2B5EF4-FFF2-40B4-BE49-F238E27FC236}">
-                <a16:creationId xmlns:a16="http://schemas.microsoft.com/office/drawing/2014/main" id="{7EEED22F-93A6-4D1B-BCBE-3DF9EE21EB79}"/>
-              </a:ext>
-            </a:extLst>
-          </p:cNvPr>
-          <p:cNvSpPr>
-            <a:spLocks noGrp="1"/>
-          </p:cNvSpPr>
-          <p:nvPr>
-            <p:ph idx="1"/>
-          </p:nvPr>
-        </p:nvSpPr>
-        <p:spPr/>
-        <p:txBody>
-          <a:bodyPr/>
-          <a:lstStyle/>
-          <a:p>
-            <a:r>
-              <a:rPr lang="en-US" altLang="ko-KR"/>
-              <a:t>.. </a:t>
-            </a:r>
-            <a:r>
-              <a:rPr lang="ko-KR" altLang="en-US"/>
-              <a:t>서버 코드를 확인하여 왜 로그인이 되는지 알아보자</a:t>
-            </a:r>
-            <a:endParaRPr lang="en-US" altLang="ko-KR"/>
-          </a:p>
-          <a:p>
-            <a:endParaRPr lang="en-US" altLang="ko-KR"/>
-          </a:p>
-          <a:p>
-            <a:endParaRPr lang="en-US" altLang="ko-KR"/>
-          </a:p>
-          <a:p>
-            <a:endParaRPr lang="en-US" altLang="ko-KR"/>
-          </a:p>
-          <a:p>
-            <a:pPr algn="ctr"/>
-            <a:r>
-              <a:rPr lang="en-US" altLang="ko-KR"/>
-              <a:t>&lt;</a:t>
-            </a:r>
-            <a:r>
-              <a:rPr lang="ko-KR" altLang="en-US"/>
-              <a:t>실습 참조</a:t>
-            </a:r>
-            <a:r>
-              <a:rPr lang="en-US" altLang="ko-KR"/>
-              <a:t>&gt;</a:t>
-            </a:r>
-            <a:endParaRPr lang="ko-KR" altLang="en-US"/>
-          </a:p>
-        </p:txBody>
-      </p:sp>
-    </p:spTree>
-    <p:extLst>
-      <p:ext uri="{BB962C8B-B14F-4D97-AF65-F5344CB8AC3E}">
-        <p14:creationId xmlns:p14="http://schemas.microsoft.com/office/powerpoint/2010/main" val="2388041525"/>
-      </p:ext>
-    </p:extLst>
-  </p:cSld>
-  <p:clrMapOvr>
-    <a:masterClrMapping/>
-  </p:clrMapOvr>
-</p:sld>
-</file>
-
-<file path=ppt/slides/slide11.xml><?xml version="1.0" encoding="utf-8"?>
 <p:sld xmlns:a="http://schemas.openxmlformats.org/drawingml/2006/main" xmlns:r="http://schemas.openxmlformats.org/officeDocument/2006/relationships" xmlns:p="http://schemas.openxmlformats.org/presentationml/2006/main">
   <p:cSld>
     <p:spTree>
@@ -5475,7 +5353,7 @@
                           </a:solidFill>
                           <a:effectLst/>
                           <a:latin typeface="함초롬바탕" panose="02030604000101010101" pitchFamily="18" charset="-127"/>
-                          <a:hlinkClick r:id="rId5" action="ppaction://hlinksldjump"/>
+                          <a:hlinkClick r:id="rId4" action="ppaction://hlinksldjump"/>
                         </a:rPr>
                         <a:t>3</a:t>
                       </a:r>
@@ -5909,7 +5787,7 @@
                           </a:solidFill>
                           <a:effectLst/>
                           <a:latin typeface="함초롬바탕" panose="02030604000101010101" pitchFamily="18" charset="-127"/>
-                          <a:hlinkClick r:id="rId6" action="ppaction://hlinksldjump"/>
+                          <a:hlinkClick r:id="rId5" action="ppaction://hlinksldjump"/>
                         </a:rPr>
                         <a:t>4</a:t>
                       </a:r>
@@ -6373,7 +6251,7 @@
                           </a:solidFill>
                           <a:effectLst/>
                           <a:latin typeface="함초롬바탕" panose="02030604000101010101" pitchFamily="18" charset="-127"/>
-                          <a:hlinkClick r:id="rId7" action="ppaction://hlinksldjump"/>
+                          <a:hlinkClick r:id="rId6" action="ppaction://hlinksldjump"/>
                         </a:rPr>
                         <a:t>5</a:t>
                       </a:r>
@@ -6818,7 +6696,7 @@
                           </a:solidFill>
                           <a:effectLst/>
                           <a:latin typeface="함초롬바탕" panose="02030604000101010101" pitchFamily="18" charset="-127"/>
-                          <a:hlinkClick r:id="rId8" action="ppaction://hlinksldjump"/>
+                          <a:hlinkClick r:id="rId7" action="ppaction://hlinksldjump"/>
                         </a:rPr>
                         <a:t>6</a:t>
                       </a:r>
@@ -7266,7 +7144,7 @@
                           </a:solidFill>
                           <a:effectLst/>
                           <a:latin typeface="함초롬바탕" panose="02030604000101010101" pitchFamily="18" charset="-127"/>
-                          <a:hlinkClick r:id="rId9" action="ppaction://hlinksldjump"/>
+                          <a:hlinkClick r:id="rId8" action="ppaction://hlinksldjump"/>
                         </a:rPr>
                         <a:t>7</a:t>
                       </a:r>
@@ -7694,7 +7572,7 @@
                           </a:solidFill>
                           <a:effectLst/>
                           <a:latin typeface="함초롬바탕" panose="02030604000101010101" pitchFamily="18" charset="-127"/>
-                          <a:hlinkClick r:id="rId10" action="ppaction://hlinksldjump"/>
+                          <a:hlinkClick r:id="rId9" action="ppaction://hlinksldjump"/>
                         </a:rPr>
                         <a:t>8</a:t>
                       </a:r>
@@ -8122,7 +8000,7 @@
                           </a:solidFill>
                           <a:effectLst/>
                           <a:latin typeface="함초롬바탕" panose="02030604000101010101" pitchFamily="18" charset="-127"/>
-                          <a:hlinkClick r:id="rId11" action="ppaction://hlinksldjump"/>
+                          <a:hlinkClick r:id="rId10" action="ppaction://hlinksldjump"/>
                         </a:rPr>
                         <a:t>9</a:t>
                       </a:r>
@@ -8547,7 +8425,7 @@
                           </a:solidFill>
                           <a:effectLst/>
                           <a:latin typeface="함초롬바탕" panose="02030604000101010101" pitchFamily="18" charset="-127"/>
-                          <a:hlinkClick r:id="rId12" action="ppaction://hlinksldjump"/>
+                          <a:hlinkClick r:id="rId11" action="ppaction://hlinksldjump"/>
                         </a:rPr>
                         <a:t>10</a:t>
                       </a:r>
@@ -8975,7 +8853,7 @@
                           </a:solidFill>
                           <a:effectLst/>
                           <a:latin typeface="함초롬바탕" panose="02030604000101010101" pitchFamily="18" charset="-127"/>
-                          <a:hlinkClick r:id="rId13" action="ppaction://hlinksldjump"/>
+                          <a:hlinkClick r:id="rId12" action="ppaction://hlinksldjump"/>
                         </a:rPr>
                         <a:t>11</a:t>
                       </a:r>
@@ -9430,7 +9308,7 @@
                           </a:solidFill>
                           <a:effectLst/>
                           <a:latin typeface="함초롬바탕" panose="02030604000101010101" pitchFamily="18" charset="-127"/>
-                          <a:hlinkClick r:id="rId14" action="ppaction://hlinksldjump"/>
+                          <a:hlinkClick r:id="rId13" action="ppaction://hlinksldjump"/>
                         </a:rPr>
                         <a:t>12</a:t>
                       </a:r>
@@ -12341,7 +12219,7 @@
 </p:sld>
 </file>
 
-<file path=ppt/slides/slide12.xml><?xml version="1.0" encoding="utf-8"?>
+<file path=ppt/slides/slide11.xml><?xml version="1.0" encoding="utf-8"?>
 <p:sld xmlns:a="http://schemas.openxmlformats.org/drawingml/2006/main" xmlns:r="http://schemas.openxmlformats.org/officeDocument/2006/relationships" xmlns:p="http://schemas.openxmlformats.org/presentationml/2006/main">
   <p:cSld>
     <p:spTree>
@@ -14194,7 +14072,7 @@
 </p:sld>
 </file>
 
-<file path=ppt/slides/slide13.xml><?xml version="1.0" encoding="utf-8"?>
+<file path=ppt/slides/slide12.xml><?xml version="1.0" encoding="utf-8"?>
 <p:sld xmlns:a="http://schemas.openxmlformats.org/drawingml/2006/main" xmlns:r="http://schemas.openxmlformats.org/officeDocument/2006/relationships" xmlns:p="http://schemas.openxmlformats.org/presentationml/2006/main">
   <p:cSld>
     <p:spTree>
@@ -15179,7 +15057,7 @@
 </p:sld>
 </file>
 
-<file path=ppt/slides/slide14.xml><?xml version="1.0" encoding="utf-8"?>
+<file path=ppt/slides/slide13.xml><?xml version="1.0" encoding="utf-8"?>
 <p:sld xmlns:a="http://schemas.openxmlformats.org/drawingml/2006/main" xmlns:r="http://schemas.openxmlformats.org/officeDocument/2006/relationships" xmlns:p="http://schemas.openxmlformats.org/presentationml/2006/main">
   <p:cSld>
     <p:spTree>
@@ -20472,1583 +20350,6 @@
 </file>
 
 <file path=ppt/slides/slide4.xml><?xml version="1.0" encoding="utf-8"?>
-<p:sld xmlns:a="http://schemas.openxmlformats.org/drawingml/2006/main" xmlns:r="http://schemas.openxmlformats.org/officeDocument/2006/relationships" xmlns:p="http://schemas.openxmlformats.org/presentationml/2006/main">
-  <p:cSld>
-    <p:spTree>
-      <p:nvGrpSpPr>
-        <p:cNvPr id="1" name=""/>
-        <p:cNvGrpSpPr/>
-        <p:nvPr/>
-      </p:nvGrpSpPr>
-      <p:grpSpPr>
-        <a:xfrm>
-          <a:off x="0" y="0"/>
-          <a:ext cx="0" cy="0"/>
-          <a:chOff x="0" y="0"/>
-          <a:chExt cx="0" cy="0"/>
-        </a:xfrm>
-      </p:grpSpPr>
-      <p:sp>
-        <p:nvSpPr>
-          <p:cNvPr id="2" name="제목 1">
-            <a:extLst>
-              <a:ext uri="{FF2B5EF4-FFF2-40B4-BE49-F238E27FC236}">
-                <a16:creationId xmlns:a16="http://schemas.microsoft.com/office/drawing/2014/main" id="{25E60E50-7DA3-41F4-B92E-B8A0C30C592F}"/>
-              </a:ext>
-            </a:extLst>
-          </p:cNvPr>
-          <p:cNvSpPr>
-            <a:spLocks noGrp="1"/>
-          </p:cNvSpPr>
-          <p:nvPr>
-            <p:ph type="title"/>
-          </p:nvPr>
-        </p:nvSpPr>
-        <p:spPr/>
-        <p:txBody>
-          <a:bodyPr>
-            <a:normAutofit/>
-          </a:bodyPr>
-          <a:lstStyle/>
-          <a:p>
-            <a:pPr>
-              <a:lnSpc>
-                <a:spcPct val="100000"/>
-              </a:lnSpc>
-            </a:pPr>
-            <a:r>
-              <a:rPr lang="en-US" altLang="ko-KR" sz="2000" b="1" dirty="0">
-                <a:solidFill>
-                  <a:schemeClr val="bg1">
-                    <a:lumMod val="65000"/>
-                  </a:schemeClr>
-                </a:solidFill>
-              </a:rPr>
-              <a:t>/Theory/T26 </a:t>
-            </a:r>
-            <a:br>
-              <a:rPr lang="en-US" altLang="ko-KR" dirty="0"/>
-            </a:br>
-            <a:r>
-              <a:rPr lang="en-US" altLang="ko-KR" dirty="0"/>
-              <a:t> </a:t>
-            </a:r>
-            <a:r>
-              <a:rPr lang="en-US" altLang="ko-KR" kern="0" dirty="0">
-                <a:solidFill>
-                  <a:srgbClr val="000000"/>
-                </a:solidFill>
-                <a:latin typeface="함초롬바탕" panose="02030604000101010101" pitchFamily="18" charset="-127"/>
-              </a:rPr>
-              <a:t>SQL </a:t>
-            </a:r>
-            <a:r>
-              <a:rPr lang="ko-KR" altLang="en-US" kern="0" dirty="0" err="1">
-                <a:solidFill>
-                  <a:srgbClr val="000000"/>
-                </a:solidFill>
-                <a:latin typeface="함초롬바탕" panose="02030604000101010101" pitchFamily="18" charset="-127"/>
-              </a:rPr>
-              <a:t>인젝션</a:t>
-            </a:r>
-            <a:r>
-              <a:rPr lang="en-US" altLang="ko-KR" kern="0" dirty="0">
-                <a:solidFill>
-                  <a:srgbClr val="000000"/>
-                </a:solidFill>
-                <a:latin typeface="함초롬바탕" panose="02030604000101010101" pitchFamily="18" charset="-127"/>
-              </a:rPr>
-              <a:t>(injection)</a:t>
-            </a:r>
-            <a:endParaRPr lang="ko-KR" altLang="en-US" dirty="0"/>
-          </a:p>
-        </p:txBody>
-      </p:sp>
-      <p:sp>
-        <p:nvSpPr>
-          <p:cNvPr id="7" name="화살표: 오른쪽 6">
-            <a:hlinkClick r:id="" action="ppaction://noaction"/>
-            <a:extLst>
-              <a:ext uri="{FF2B5EF4-FFF2-40B4-BE49-F238E27FC236}">
-                <a16:creationId xmlns:a16="http://schemas.microsoft.com/office/drawing/2014/main" id="{AC876A3B-2146-4C09-A591-885C34BCB344}"/>
-              </a:ext>
-            </a:extLst>
-          </p:cNvPr>
-          <p:cNvSpPr/>
-          <p:nvPr/>
-        </p:nvSpPr>
-        <p:spPr>
-          <a:xfrm flipH="1">
-            <a:off x="580444" y="596349"/>
-            <a:ext cx="257755" cy="206099"/>
-          </a:xfrm>
-          <a:prstGeom prst="rightArrow">
-            <a:avLst>
-              <a:gd name="adj1" fmla="val 50000"/>
-              <a:gd name="adj2" fmla="val 73148"/>
-            </a:avLst>
-          </a:prstGeom>
-          <a:solidFill>
-            <a:srgbClr val="A6A6A6"/>
-          </a:solidFill>
-          <a:ln>
-            <a:noFill/>
-          </a:ln>
-        </p:spPr>
-        <p:style>
-          <a:lnRef idx="2">
-            <a:schemeClr val="accent1">
-              <a:shade val="50000"/>
-            </a:schemeClr>
-          </a:lnRef>
-          <a:fillRef idx="1">
-            <a:schemeClr val="accent1"/>
-          </a:fillRef>
-          <a:effectRef idx="0">
-            <a:schemeClr val="accent1"/>
-          </a:effectRef>
-          <a:fontRef idx="minor">
-            <a:schemeClr val="lt1"/>
-          </a:fontRef>
-        </p:style>
-        <p:txBody>
-          <a:bodyPr rtlCol="0" anchor="ctr"/>
-          <a:lstStyle/>
-          <a:p>
-            <a:pPr algn="ctr"/>
-            <a:endParaRPr lang="ko-KR" altLang="en-US"/>
-          </a:p>
-        </p:txBody>
-      </p:sp>
-      <p:grpSp>
-        <p:nvGrpSpPr>
-          <p:cNvPr id="6" name="그룹 5">
-            <a:extLst>
-              <a:ext uri="{FF2B5EF4-FFF2-40B4-BE49-F238E27FC236}">
-                <a16:creationId xmlns:a16="http://schemas.microsoft.com/office/drawing/2014/main" id="{ADCD5C6C-58D3-48F4-93FF-AAD76C081B5C}"/>
-              </a:ext>
-            </a:extLst>
-          </p:cNvPr>
-          <p:cNvGrpSpPr/>
-          <p:nvPr/>
-        </p:nvGrpSpPr>
-        <p:grpSpPr>
-          <a:xfrm>
-            <a:off x="11593737" y="6457890"/>
-            <a:ext cx="678993" cy="400110"/>
-            <a:chOff x="10627762" y="-30288"/>
-            <a:chExt cx="597159" cy="400110"/>
-          </a:xfrm>
-        </p:grpSpPr>
-        <p:sp>
-          <p:nvSpPr>
-            <p:cNvPr id="8" name="사각형: 둥근 모서리 7">
-              <a:extLst>
-                <a:ext uri="{FF2B5EF4-FFF2-40B4-BE49-F238E27FC236}">
-                  <a16:creationId xmlns:a16="http://schemas.microsoft.com/office/drawing/2014/main" id="{717396D8-C5C9-4505-A138-9C88EFABF131}"/>
-                </a:ext>
-              </a:extLst>
-            </p:cNvPr>
-            <p:cNvSpPr/>
-            <p:nvPr/>
-          </p:nvSpPr>
-          <p:spPr>
-            <a:xfrm>
-              <a:off x="10675841" y="11905"/>
-              <a:ext cx="464911" cy="338139"/>
-            </a:xfrm>
-            <a:prstGeom prst="roundRect">
-              <a:avLst/>
-            </a:prstGeom>
-            <a:solidFill>
-              <a:schemeClr val="accent6">
-                <a:lumMod val="20000"/>
-                <a:lumOff val="80000"/>
-              </a:schemeClr>
-            </a:solidFill>
-            <a:ln>
-              <a:solidFill>
-                <a:schemeClr val="accent6">
-                  <a:lumMod val="60000"/>
-                  <a:lumOff val="40000"/>
-                </a:schemeClr>
-              </a:solidFill>
-            </a:ln>
-          </p:spPr>
-          <p:style>
-            <a:lnRef idx="2">
-              <a:schemeClr val="accent1">
-                <a:shade val="50000"/>
-              </a:schemeClr>
-            </a:lnRef>
-            <a:fillRef idx="1">
-              <a:schemeClr val="accent1"/>
-            </a:fillRef>
-            <a:effectRef idx="0">
-              <a:schemeClr val="accent1"/>
-            </a:effectRef>
-            <a:fontRef idx="minor">
-              <a:schemeClr val="lt1"/>
-            </a:fontRef>
-          </p:style>
-          <p:txBody>
-            <a:bodyPr rtlCol="0" anchor="ctr"/>
-            <a:lstStyle/>
-            <a:p>
-              <a:pPr algn="ctr"/>
-              <a:endParaRPr lang="ko-KR" altLang="en-US"/>
-            </a:p>
-          </p:txBody>
-        </p:sp>
-        <p:sp>
-          <p:nvSpPr>
-            <p:cNvPr id="9" name="TextBox 8">
-              <a:extLst>
-                <a:ext uri="{FF2B5EF4-FFF2-40B4-BE49-F238E27FC236}">
-                  <a16:creationId xmlns:a16="http://schemas.microsoft.com/office/drawing/2014/main" id="{1C78D2CE-9C66-4E88-A6BD-91A464787728}"/>
-                </a:ext>
-              </a:extLst>
-            </p:cNvPr>
-            <p:cNvSpPr txBox="1"/>
-            <p:nvPr/>
-          </p:nvSpPr>
-          <p:spPr>
-            <a:xfrm>
-              <a:off x="10627762" y="-30288"/>
-              <a:ext cx="597159" cy="400110"/>
-            </a:xfrm>
-            <a:prstGeom prst="rect">
-              <a:avLst/>
-            </a:prstGeom>
-            <a:noFill/>
-          </p:spPr>
-          <p:txBody>
-            <a:bodyPr wrap="square" rtlCol="0">
-              <a:spAutoFit/>
-            </a:bodyPr>
-            <a:lstStyle/>
-            <a:p>
-              <a:r>
-                <a:rPr lang="en-US" altLang="ko-KR" sz="1000" b="1" dirty="0">
-                  <a:solidFill>
-                    <a:schemeClr val="bg2">
-                      <a:lumMod val="50000"/>
-                    </a:schemeClr>
-                  </a:solidFill>
-                </a:rPr>
-                <a:t>L I N K</a:t>
-              </a:r>
-              <a:endParaRPr lang="ko-KR" altLang="en-US" sz="1000" b="1" dirty="0">
-                <a:solidFill>
-                  <a:schemeClr val="bg2">
-                    <a:lumMod val="50000"/>
-                  </a:schemeClr>
-                </a:solidFill>
-              </a:endParaRPr>
-            </a:p>
-          </p:txBody>
-        </p:sp>
-        <p:sp>
-          <p:nvSpPr>
-            <p:cNvPr id="10" name="화살표: 오른쪽 9">
-              <a:hlinkClick r:id="" action="ppaction://noaction"/>
-              <a:extLst>
-                <a:ext uri="{FF2B5EF4-FFF2-40B4-BE49-F238E27FC236}">
-                  <a16:creationId xmlns:a16="http://schemas.microsoft.com/office/drawing/2014/main" id="{7BA49A6F-D13C-4656-A3EE-35EEE50A35D5}"/>
-                </a:ext>
-              </a:extLst>
-            </p:cNvPr>
-            <p:cNvSpPr/>
-            <p:nvPr/>
-          </p:nvSpPr>
-          <p:spPr>
-            <a:xfrm flipH="1">
-              <a:off x="10773860" y="150995"/>
-              <a:ext cx="251325" cy="187144"/>
-            </a:xfrm>
-            <a:prstGeom prst="rightArrow">
-              <a:avLst>
-                <a:gd name="adj1" fmla="val 50000"/>
-                <a:gd name="adj2" fmla="val 73148"/>
-              </a:avLst>
-            </a:prstGeom>
-            <a:solidFill>
-              <a:schemeClr val="accent6">
-                <a:lumMod val="50000"/>
-              </a:schemeClr>
-            </a:solidFill>
-            <a:ln>
-              <a:noFill/>
-            </a:ln>
-          </p:spPr>
-          <p:style>
-            <a:lnRef idx="2">
-              <a:schemeClr val="accent1">
-                <a:shade val="50000"/>
-              </a:schemeClr>
-            </a:lnRef>
-            <a:fillRef idx="1">
-              <a:schemeClr val="accent1"/>
-            </a:fillRef>
-            <a:effectRef idx="0">
-              <a:schemeClr val="accent1"/>
-            </a:effectRef>
-            <a:fontRef idx="minor">
-              <a:schemeClr val="lt1"/>
-            </a:fontRef>
-          </p:style>
-          <p:txBody>
-            <a:bodyPr rtlCol="0" anchor="ctr"/>
-            <a:lstStyle/>
-            <a:p>
-              <a:pPr algn="ctr"/>
-              <a:endParaRPr lang="ko-KR" altLang="en-US"/>
-            </a:p>
-          </p:txBody>
-        </p:sp>
-      </p:grpSp>
-      <p:pic>
-        <p:nvPicPr>
-          <p:cNvPr id="1026" name="Picture 2" descr="교도소 수감자는 경비원이 시계를 유지합니다. 로열티 무료 사진, 그림, 이미지 그리고 스톡포토그래피. Image 54579253.">
-            <a:extLst>
-              <a:ext uri="{FF2B5EF4-FFF2-40B4-BE49-F238E27FC236}">
-                <a16:creationId xmlns:a16="http://schemas.microsoft.com/office/drawing/2014/main" id="{E9E12AD4-82CF-4047-A4CB-E371D40222C3}"/>
-              </a:ext>
-            </a:extLst>
-          </p:cNvPr>
-          <p:cNvPicPr>
-            <a:picLocks noChangeAspect="1" noChangeArrowheads="1"/>
-          </p:cNvPicPr>
-          <p:nvPr/>
-        </p:nvPicPr>
-        <p:blipFill>
-          <a:blip r:embed="rId2">
-            <a:extLst>
-              <a:ext uri="{28A0092B-C50C-407E-A947-70E740481C1C}">
-                <a14:useLocalDpi xmlns:a14="http://schemas.microsoft.com/office/drawing/2010/main" val="0"/>
-              </a:ext>
-            </a:extLst>
-          </a:blip>
-          <a:srcRect/>
-          <a:stretch>
-            <a:fillRect/>
-          </a:stretch>
-        </p:blipFill>
-        <p:spPr bwMode="auto">
-          <a:xfrm>
-            <a:off x="457874" y="1921912"/>
-            <a:ext cx="6607742" cy="3375283"/>
-          </a:xfrm>
-          <a:prstGeom prst="rect">
-            <a:avLst/>
-          </a:prstGeom>
-          <a:noFill/>
-          <a:extLst>
-            <a:ext uri="{909E8E84-426E-40DD-AFC4-6F175D3DCCD1}">
-              <a14:hiddenFill xmlns:a14="http://schemas.microsoft.com/office/drawing/2010/main">
-                <a:solidFill>
-                  <a:srgbClr val="FFFFFF"/>
-                </a:solidFill>
-              </a14:hiddenFill>
-            </a:ext>
-          </a:extLst>
-        </p:spPr>
-      </p:pic>
-      <p:pic>
-        <p:nvPicPr>
-          <p:cNvPr id="1030" name="Picture 6" descr="접견 - 스톡일러스트 [10562919] - PIXTA">
-            <a:extLst>
-              <a:ext uri="{FF2B5EF4-FFF2-40B4-BE49-F238E27FC236}">
-                <a16:creationId xmlns:a16="http://schemas.microsoft.com/office/drawing/2014/main" id="{7A7583B7-1EDD-44C9-8244-CEDA1C39FC5F}"/>
-              </a:ext>
-            </a:extLst>
-          </p:cNvPr>
-          <p:cNvPicPr>
-            <a:picLocks noChangeAspect="1" noChangeArrowheads="1"/>
-          </p:cNvPicPr>
-          <p:nvPr/>
-        </p:nvPicPr>
-        <p:blipFill rotWithShape="1">
-          <a:blip r:embed="rId3">
-            <a:extLst>
-              <a:ext uri="{28A0092B-C50C-407E-A947-70E740481C1C}">
-                <a14:useLocalDpi xmlns:a14="http://schemas.microsoft.com/office/drawing/2010/main" val="0"/>
-              </a:ext>
-            </a:extLst>
-          </a:blip>
-          <a:srcRect l="4250" t="5673" r="223" b="6985"/>
-          <a:stretch/>
-        </p:blipFill>
-        <p:spPr bwMode="auto">
-          <a:xfrm>
-            <a:off x="8262760" y="4207858"/>
-            <a:ext cx="3159068" cy="2285017"/>
-          </a:xfrm>
-          <a:prstGeom prst="rect">
-            <a:avLst/>
-          </a:prstGeom>
-          <a:noFill/>
-          <a:extLst>
-            <a:ext uri="{909E8E84-426E-40DD-AFC4-6F175D3DCCD1}">
-              <a14:hiddenFill xmlns:a14="http://schemas.microsoft.com/office/drawing/2010/main">
-                <a:solidFill>
-                  <a:srgbClr val="FFFFFF"/>
-                </a:solidFill>
-              </a14:hiddenFill>
-            </a:ext>
-          </a:extLst>
-        </p:spPr>
-      </p:pic>
-      <p:grpSp>
-        <p:nvGrpSpPr>
-          <p:cNvPr id="12" name="그룹 11">
-            <a:extLst>
-              <a:ext uri="{FF2B5EF4-FFF2-40B4-BE49-F238E27FC236}">
-                <a16:creationId xmlns:a16="http://schemas.microsoft.com/office/drawing/2014/main" id="{71B0EA4A-59E3-411E-9858-E93CC28A8634}"/>
-              </a:ext>
-            </a:extLst>
-          </p:cNvPr>
-          <p:cNvGrpSpPr/>
-          <p:nvPr/>
-        </p:nvGrpSpPr>
-        <p:grpSpPr>
-          <a:xfrm>
-            <a:off x="9756476" y="3650013"/>
-            <a:ext cx="2289146" cy="793019"/>
-            <a:chOff x="8860779" y="3123526"/>
-            <a:chExt cx="2176757" cy="841571"/>
-          </a:xfrm>
-        </p:grpSpPr>
-        <p:sp>
-          <p:nvSpPr>
-            <p:cNvPr id="4" name="말풍선: 모서리가 둥근 사각형 3">
-              <a:extLst>
-                <a:ext uri="{FF2B5EF4-FFF2-40B4-BE49-F238E27FC236}">
-                  <a16:creationId xmlns:a16="http://schemas.microsoft.com/office/drawing/2014/main" id="{1663F95F-E367-412E-B7CA-6A6EF59878C8}"/>
-                </a:ext>
-              </a:extLst>
-            </p:cNvPr>
-            <p:cNvSpPr/>
-            <p:nvPr/>
-          </p:nvSpPr>
-          <p:spPr>
-            <a:xfrm>
-              <a:off x="8860779" y="3366287"/>
-              <a:ext cx="2176757" cy="598810"/>
-            </a:xfrm>
-            <a:prstGeom prst="wedgeRoundRectCallout">
-              <a:avLst/>
-            </a:prstGeom>
-            <a:solidFill>
-              <a:schemeClr val="bg1"/>
-            </a:solidFill>
-          </p:spPr>
-          <p:style>
-            <a:lnRef idx="2">
-              <a:schemeClr val="accent1">
-                <a:shade val="50000"/>
-              </a:schemeClr>
-            </a:lnRef>
-            <a:fillRef idx="1">
-              <a:schemeClr val="accent1"/>
-            </a:fillRef>
-            <a:effectRef idx="0">
-              <a:schemeClr val="accent1"/>
-            </a:effectRef>
-            <a:fontRef idx="minor">
-              <a:schemeClr val="lt1"/>
-            </a:fontRef>
-          </p:style>
-          <p:txBody>
-            <a:bodyPr rtlCol="0" anchor="ctr"/>
-            <a:lstStyle/>
-            <a:p>
-              <a:pPr algn="ctr"/>
-              <a:r>
-                <a:rPr lang="ko-KR" altLang="en-US" sz="1200" dirty="0">
-                  <a:solidFill>
-                    <a:srgbClr val="FF0000"/>
-                  </a:solidFill>
-                </a:rPr>
-                <a:t>홍길동씨 석방 요청 </a:t>
-              </a:r>
-              <a:r>
-                <a:rPr lang="ko-KR" altLang="en-US" sz="1200" dirty="0" err="1">
-                  <a:solidFill>
-                    <a:srgbClr val="FF0000"/>
-                  </a:solidFill>
-                </a:rPr>
-                <a:t>오버</a:t>
-              </a:r>
-              <a:r>
-                <a:rPr lang="ko-KR" altLang="en-US" sz="1200" dirty="0" err="1">
-                  <a:solidFill>
-                    <a:schemeClr val="tx1"/>
-                  </a:solidFill>
-                </a:rPr>
-                <a:t>씨</a:t>
-              </a:r>
-              <a:r>
-                <a:rPr lang="ko-KR" altLang="en-US" sz="1200" dirty="0">
-                  <a:solidFill>
-                    <a:schemeClr val="tx1"/>
-                  </a:solidFill>
-                </a:rPr>
-                <a:t> 면회 부탁</a:t>
-              </a:r>
-              <a:r>
-                <a:rPr lang="en-US" altLang="ko-KR" sz="1200" dirty="0">
-                  <a:solidFill>
-                    <a:schemeClr val="tx1"/>
-                  </a:solidFill>
-                </a:rPr>
-                <a:t>.</a:t>
-              </a:r>
-              <a:endParaRPr lang="ko-KR" altLang="en-US" sz="1200" dirty="0">
-                <a:solidFill>
-                  <a:schemeClr val="tx1"/>
-                </a:solidFill>
-              </a:endParaRPr>
-            </a:p>
-          </p:txBody>
-        </p:sp>
-        <p:sp>
-          <p:nvSpPr>
-            <p:cNvPr id="11" name="직사각형 10">
-              <a:extLst>
-                <a:ext uri="{FF2B5EF4-FFF2-40B4-BE49-F238E27FC236}">
-                  <a16:creationId xmlns:a16="http://schemas.microsoft.com/office/drawing/2014/main" id="{77E7F4B5-0FEC-4315-8306-50F0282EA715}"/>
-                </a:ext>
-              </a:extLst>
-            </p:cNvPr>
-            <p:cNvSpPr/>
-            <p:nvPr/>
-          </p:nvSpPr>
-          <p:spPr>
-            <a:xfrm>
-              <a:off x="8974067" y="3123526"/>
-              <a:ext cx="283221" cy="242761"/>
-            </a:xfrm>
-            <a:prstGeom prst="rect">
-              <a:avLst/>
-            </a:prstGeom>
-          </p:spPr>
-          <p:style>
-            <a:lnRef idx="2">
-              <a:schemeClr val="accent1">
-                <a:shade val="50000"/>
-              </a:schemeClr>
-            </a:lnRef>
-            <a:fillRef idx="1">
-              <a:schemeClr val="accent1"/>
-            </a:fillRef>
-            <a:effectRef idx="0">
-              <a:schemeClr val="accent1"/>
-            </a:effectRef>
-            <a:fontRef idx="minor">
-              <a:schemeClr val="lt1"/>
-            </a:fontRef>
-          </p:style>
-          <p:txBody>
-            <a:bodyPr rtlCol="0" anchor="ctr"/>
-            <a:lstStyle/>
-            <a:p>
-              <a:pPr algn="ctr"/>
-              <a:r>
-                <a:rPr lang="en-US" altLang="ko-KR" dirty="0"/>
-                <a:t>1</a:t>
-              </a:r>
-              <a:endParaRPr lang="ko-KR" altLang="en-US" dirty="0"/>
-            </a:p>
-          </p:txBody>
-        </p:sp>
-      </p:grpSp>
-      <p:grpSp>
-        <p:nvGrpSpPr>
-          <p:cNvPr id="16" name="그룹 15">
-            <a:extLst>
-              <a:ext uri="{FF2B5EF4-FFF2-40B4-BE49-F238E27FC236}">
-                <a16:creationId xmlns:a16="http://schemas.microsoft.com/office/drawing/2014/main" id="{7EE1977C-CF8B-4C3B-92F2-6A97C01E7ADC}"/>
-              </a:ext>
-            </a:extLst>
-          </p:cNvPr>
-          <p:cNvGrpSpPr/>
-          <p:nvPr/>
-        </p:nvGrpSpPr>
-        <p:grpSpPr>
-          <a:xfrm>
-            <a:off x="7350180" y="3016114"/>
-            <a:ext cx="2240868" cy="793019"/>
-            <a:chOff x="8796669" y="3123526"/>
-            <a:chExt cx="2240868" cy="841571"/>
-          </a:xfrm>
-        </p:grpSpPr>
-        <p:sp>
-          <p:nvSpPr>
-            <p:cNvPr id="17" name="말풍선: 모서리가 둥근 사각형 16">
-              <a:extLst>
-                <a:ext uri="{FF2B5EF4-FFF2-40B4-BE49-F238E27FC236}">
-                  <a16:creationId xmlns:a16="http://schemas.microsoft.com/office/drawing/2014/main" id="{B2D15A9D-7AA6-40BC-BB14-310EC6898B25}"/>
-                </a:ext>
-              </a:extLst>
-            </p:cNvPr>
-            <p:cNvSpPr/>
-            <p:nvPr/>
-          </p:nvSpPr>
-          <p:spPr>
-            <a:xfrm>
-              <a:off x="8796669" y="3366287"/>
-              <a:ext cx="2240868" cy="598810"/>
-            </a:xfrm>
-            <a:prstGeom prst="wedgeRoundRectCallout">
-              <a:avLst/>
-            </a:prstGeom>
-            <a:solidFill>
-              <a:schemeClr val="bg1"/>
-            </a:solidFill>
-          </p:spPr>
-          <p:style>
-            <a:lnRef idx="2">
-              <a:schemeClr val="accent1">
-                <a:shade val="50000"/>
-              </a:schemeClr>
-            </a:lnRef>
-            <a:fillRef idx="1">
-              <a:schemeClr val="accent1"/>
-            </a:fillRef>
-            <a:effectRef idx="0">
-              <a:schemeClr val="accent1"/>
-            </a:effectRef>
-            <a:fontRef idx="minor">
-              <a:schemeClr val="lt1"/>
-            </a:fontRef>
-          </p:style>
-          <p:txBody>
-            <a:bodyPr rtlCol="0" anchor="ctr"/>
-            <a:lstStyle/>
-            <a:p>
-              <a:pPr algn="ctr"/>
-              <a:r>
-                <a:rPr lang="ko-KR" altLang="en-US" sz="1200" dirty="0">
-                  <a:solidFill>
-                    <a:srgbClr val="FF0000"/>
-                  </a:solidFill>
-                </a:rPr>
-                <a:t>홍길동씨 석방 요청 </a:t>
-              </a:r>
-              <a:r>
-                <a:rPr lang="ko-KR" altLang="en-US" sz="1200" dirty="0" err="1">
-                  <a:solidFill>
-                    <a:srgbClr val="FF0000"/>
-                  </a:solidFill>
-                </a:rPr>
-                <a:t>오버</a:t>
-              </a:r>
-              <a:r>
-                <a:rPr lang="ko-KR" altLang="en-US" sz="1200" dirty="0" err="1">
-                  <a:solidFill>
-                    <a:schemeClr val="tx1"/>
-                  </a:solidFill>
-                </a:rPr>
-                <a:t>씨</a:t>
-              </a:r>
-              <a:r>
-                <a:rPr lang="ko-KR" altLang="en-US" sz="1200" dirty="0">
-                  <a:solidFill>
-                    <a:schemeClr val="tx1"/>
-                  </a:solidFill>
-                </a:rPr>
-                <a:t> 면회 요청</a:t>
-              </a:r>
-              <a:r>
-                <a:rPr lang="en-US" altLang="ko-KR" sz="1200" dirty="0">
-                  <a:solidFill>
-                    <a:schemeClr val="tx1"/>
-                  </a:solidFill>
-                </a:rPr>
-                <a:t>. </a:t>
-              </a:r>
-              <a:r>
-                <a:rPr lang="ko-KR" altLang="en-US" sz="1200" dirty="0">
-                  <a:solidFill>
-                    <a:srgbClr val="002060"/>
-                  </a:solidFill>
-                </a:rPr>
-                <a:t>오버</a:t>
-              </a:r>
-            </a:p>
-          </p:txBody>
-        </p:sp>
-        <p:sp>
-          <p:nvSpPr>
-            <p:cNvPr id="18" name="직사각형 17">
-              <a:extLst>
-                <a:ext uri="{FF2B5EF4-FFF2-40B4-BE49-F238E27FC236}">
-                  <a16:creationId xmlns:a16="http://schemas.microsoft.com/office/drawing/2014/main" id="{CED38CDB-E7E9-4B88-9C23-8A05E5C666F7}"/>
-                </a:ext>
-              </a:extLst>
-            </p:cNvPr>
-            <p:cNvSpPr/>
-            <p:nvPr/>
-          </p:nvSpPr>
-          <p:spPr>
-            <a:xfrm>
-              <a:off x="8974067" y="3123526"/>
-              <a:ext cx="283221" cy="242761"/>
-            </a:xfrm>
-            <a:prstGeom prst="rect">
-              <a:avLst/>
-            </a:prstGeom>
-          </p:spPr>
-          <p:style>
-            <a:lnRef idx="2">
-              <a:schemeClr val="accent1">
-                <a:shade val="50000"/>
-              </a:schemeClr>
-            </a:lnRef>
-            <a:fillRef idx="1">
-              <a:schemeClr val="accent1"/>
-            </a:fillRef>
-            <a:effectRef idx="0">
-              <a:schemeClr val="accent1"/>
-            </a:effectRef>
-            <a:fontRef idx="minor">
-              <a:schemeClr val="lt1"/>
-            </a:fontRef>
-          </p:style>
-          <p:txBody>
-            <a:bodyPr rtlCol="0" anchor="ctr"/>
-            <a:lstStyle/>
-            <a:p>
-              <a:pPr algn="ctr"/>
-              <a:r>
-                <a:rPr lang="en-US" altLang="ko-KR" dirty="0"/>
-                <a:t>2</a:t>
-              </a:r>
-              <a:endParaRPr lang="ko-KR" altLang="en-US" dirty="0"/>
-            </a:p>
-          </p:txBody>
-        </p:sp>
-      </p:grpSp>
-      <p:sp>
-        <p:nvSpPr>
-          <p:cNvPr id="3" name="화살표: 오른쪽으로 구부러짐 2">
-            <a:extLst>
-              <a:ext uri="{FF2B5EF4-FFF2-40B4-BE49-F238E27FC236}">
-                <a16:creationId xmlns:a16="http://schemas.microsoft.com/office/drawing/2014/main" id="{112518A9-0168-4F34-BD78-C39A85A170AF}"/>
-              </a:ext>
-            </a:extLst>
-          </p:cNvPr>
-          <p:cNvSpPr/>
-          <p:nvPr/>
-        </p:nvSpPr>
-        <p:spPr>
-          <a:xfrm rot="6037669">
-            <a:off x="7671368" y="3151617"/>
-            <a:ext cx="437934" cy="1998371"/>
-          </a:xfrm>
-          <a:prstGeom prst="curvedRightArrow">
-            <a:avLst/>
-          </a:prstGeom>
-        </p:spPr>
-        <p:style>
-          <a:lnRef idx="2">
-            <a:schemeClr val="accent1">
-              <a:shade val="50000"/>
-            </a:schemeClr>
-          </a:lnRef>
-          <a:fillRef idx="1">
-            <a:schemeClr val="accent1"/>
-          </a:fillRef>
-          <a:effectRef idx="0">
-            <a:schemeClr val="accent1"/>
-          </a:effectRef>
-          <a:fontRef idx="minor">
-            <a:schemeClr val="lt1"/>
-          </a:fontRef>
-        </p:style>
-        <p:txBody>
-          <a:bodyPr rtlCol="0" anchor="ctr"/>
-          <a:lstStyle/>
-          <a:p>
-            <a:pPr algn="ctr"/>
-            <a:endParaRPr lang="ko-KR" altLang="en-US">
-              <a:solidFill>
-                <a:schemeClr val="tx1"/>
-              </a:solidFill>
-            </a:endParaRPr>
-          </a:p>
-        </p:txBody>
-      </p:sp>
-      <p:pic>
-        <p:nvPicPr>
-          <p:cNvPr id="5" name="Picture 2" descr="경찰 아이콘 이미지 | 프리미엄 벡터">
-            <a:extLst>
-              <a:ext uri="{FF2B5EF4-FFF2-40B4-BE49-F238E27FC236}">
-                <a16:creationId xmlns:a16="http://schemas.microsoft.com/office/drawing/2014/main" id="{3E8B3D70-AE4D-4984-8589-2BAEFD2B9922}"/>
-              </a:ext>
-            </a:extLst>
-          </p:cNvPr>
-          <p:cNvPicPr>
-            <a:picLocks noChangeAspect="1" noChangeArrowheads="1"/>
-          </p:cNvPicPr>
-          <p:nvPr/>
-        </p:nvPicPr>
-        <p:blipFill>
-          <a:blip r:embed="rId4">
-            <a:extLst>
-              <a:ext uri="{28A0092B-C50C-407E-A947-70E740481C1C}">
-                <a14:useLocalDpi xmlns:a14="http://schemas.microsoft.com/office/drawing/2010/main" val="0"/>
-              </a:ext>
-            </a:extLst>
-          </a:blip>
-          <a:srcRect/>
-          <a:stretch>
-            <a:fillRect/>
-          </a:stretch>
-        </p:blipFill>
-        <p:spPr bwMode="auto">
-          <a:xfrm>
-            <a:off x="10253848" y="2172792"/>
-            <a:ext cx="1578521" cy="1578521"/>
-          </a:xfrm>
-          <a:prstGeom prst="rect">
-            <a:avLst/>
-          </a:prstGeom>
-          <a:noFill/>
-          <a:extLst>
-            <a:ext uri="{909E8E84-426E-40DD-AFC4-6F175D3DCCD1}">
-              <a14:hiddenFill xmlns:a14="http://schemas.microsoft.com/office/drawing/2010/main">
-                <a:solidFill>
-                  <a:srgbClr val="FFFFFF"/>
-                </a:solidFill>
-              </a14:hiddenFill>
-            </a:ext>
-          </a:extLst>
-        </p:spPr>
-      </p:pic>
-      <p:sp>
-        <p:nvSpPr>
-          <p:cNvPr id="22" name="화살표: 오른쪽으로 구부러짐 21">
-            <a:extLst>
-              <a:ext uri="{FF2B5EF4-FFF2-40B4-BE49-F238E27FC236}">
-                <a16:creationId xmlns:a16="http://schemas.microsoft.com/office/drawing/2014/main" id="{C3D054B9-7583-4392-9B29-58AAB6A59B26}"/>
-              </a:ext>
-            </a:extLst>
-          </p:cNvPr>
-          <p:cNvSpPr/>
-          <p:nvPr/>
-        </p:nvSpPr>
-        <p:spPr>
-          <a:xfrm rot="6037669">
-            <a:off x="9897828" y="4028935"/>
-            <a:ext cx="257867" cy="1273878"/>
-          </a:xfrm>
-          <a:prstGeom prst="curvedRightArrow">
-            <a:avLst/>
-          </a:prstGeom>
-        </p:spPr>
-        <p:style>
-          <a:lnRef idx="2">
-            <a:schemeClr val="accent1">
-              <a:shade val="50000"/>
-            </a:schemeClr>
-          </a:lnRef>
-          <a:fillRef idx="1">
-            <a:schemeClr val="accent1"/>
-          </a:fillRef>
-          <a:effectRef idx="0">
-            <a:schemeClr val="accent1"/>
-          </a:effectRef>
-          <a:fontRef idx="minor">
-            <a:schemeClr val="lt1"/>
-          </a:fontRef>
-        </p:style>
-        <p:txBody>
-          <a:bodyPr rtlCol="0" anchor="ctr"/>
-          <a:lstStyle/>
-          <a:p>
-            <a:pPr algn="ctr"/>
-            <a:endParaRPr lang="ko-KR" altLang="en-US">
-              <a:solidFill>
-                <a:schemeClr val="tx1"/>
-              </a:solidFill>
-            </a:endParaRPr>
-          </a:p>
-        </p:txBody>
-      </p:sp>
-      <p:grpSp>
-        <p:nvGrpSpPr>
-          <p:cNvPr id="34" name="그룹 33">
-            <a:extLst>
-              <a:ext uri="{FF2B5EF4-FFF2-40B4-BE49-F238E27FC236}">
-                <a16:creationId xmlns:a16="http://schemas.microsoft.com/office/drawing/2014/main" id="{EE8F01D1-0F27-41E4-9027-21EBFC4FA834}"/>
-              </a:ext>
-            </a:extLst>
-          </p:cNvPr>
-          <p:cNvGrpSpPr/>
-          <p:nvPr/>
-        </p:nvGrpSpPr>
-        <p:grpSpPr>
-          <a:xfrm>
-            <a:off x="4342482" y="5040298"/>
-            <a:ext cx="2176757" cy="793019"/>
-            <a:chOff x="8860779" y="3123526"/>
-            <a:chExt cx="2176757" cy="841571"/>
-          </a:xfrm>
-        </p:grpSpPr>
-        <p:sp>
-          <p:nvSpPr>
-            <p:cNvPr id="35" name="말풍선: 모서리가 둥근 사각형 34">
-              <a:extLst>
-                <a:ext uri="{FF2B5EF4-FFF2-40B4-BE49-F238E27FC236}">
-                  <a16:creationId xmlns:a16="http://schemas.microsoft.com/office/drawing/2014/main" id="{92D3C129-355F-4E99-8896-7AE0793895F8}"/>
-                </a:ext>
-              </a:extLst>
-            </p:cNvPr>
-            <p:cNvSpPr/>
-            <p:nvPr/>
-          </p:nvSpPr>
-          <p:spPr>
-            <a:xfrm>
-              <a:off x="8860779" y="3366287"/>
-              <a:ext cx="2176757" cy="598810"/>
-            </a:xfrm>
-            <a:prstGeom prst="wedgeRoundRectCallout">
-              <a:avLst/>
-            </a:prstGeom>
-            <a:solidFill>
-              <a:schemeClr val="bg1"/>
-            </a:solidFill>
-            <a:ln>
-              <a:solidFill>
-                <a:srgbClr val="FF0000"/>
-              </a:solidFill>
-            </a:ln>
-          </p:spPr>
-          <p:style>
-            <a:lnRef idx="2">
-              <a:schemeClr val="accent1">
-                <a:shade val="50000"/>
-              </a:schemeClr>
-            </a:lnRef>
-            <a:fillRef idx="1">
-              <a:schemeClr val="accent1"/>
-            </a:fillRef>
-            <a:effectRef idx="0">
-              <a:schemeClr val="accent1"/>
-            </a:effectRef>
-            <a:fontRef idx="minor">
-              <a:schemeClr val="lt1"/>
-            </a:fontRef>
-          </p:style>
-          <p:txBody>
-            <a:bodyPr rtlCol="0" anchor="ctr"/>
-            <a:lstStyle/>
-            <a:p>
-              <a:pPr algn="ctr"/>
-              <a:r>
-                <a:rPr lang="ko-KR" altLang="en-US" sz="1200" dirty="0">
-                  <a:solidFill>
-                    <a:schemeClr val="tx1"/>
-                  </a:solidFill>
-                </a:rPr>
-                <a:t>홍길동씨 석방 실행</a:t>
-              </a:r>
-            </a:p>
-          </p:txBody>
-        </p:sp>
-        <p:sp>
-          <p:nvSpPr>
-            <p:cNvPr id="36" name="직사각형 35">
-              <a:extLst>
-                <a:ext uri="{FF2B5EF4-FFF2-40B4-BE49-F238E27FC236}">
-                  <a16:creationId xmlns:a16="http://schemas.microsoft.com/office/drawing/2014/main" id="{E8F2CBE0-DB7B-4097-BDB9-DFE495CCB4CB}"/>
-                </a:ext>
-              </a:extLst>
-            </p:cNvPr>
-            <p:cNvSpPr/>
-            <p:nvPr/>
-          </p:nvSpPr>
-          <p:spPr>
-            <a:xfrm>
-              <a:off x="8974067" y="3123526"/>
-              <a:ext cx="283221" cy="242761"/>
-            </a:xfrm>
-            <a:prstGeom prst="rect">
-              <a:avLst/>
-            </a:prstGeom>
-            <a:solidFill>
-              <a:schemeClr val="accent2"/>
-            </a:solidFill>
-            <a:ln>
-              <a:solidFill>
-                <a:srgbClr val="FF0000"/>
-              </a:solidFill>
-            </a:ln>
-          </p:spPr>
-          <p:style>
-            <a:lnRef idx="2">
-              <a:schemeClr val="accent1">
-                <a:shade val="50000"/>
-              </a:schemeClr>
-            </a:lnRef>
-            <a:fillRef idx="1">
-              <a:schemeClr val="accent1"/>
-            </a:fillRef>
-            <a:effectRef idx="0">
-              <a:schemeClr val="accent1"/>
-            </a:effectRef>
-            <a:fontRef idx="minor">
-              <a:schemeClr val="lt1"/>
-            </a:fontRef>
-          </p:style>
-          <p:txBody>
-            <a:bodyPr rtlCol="0" anchor="ctr"/>
-            <a:lstStyle/>
-            <a:p>
-              <a:pPr algn="ctr"/>
-              <a:r>
-                <a:rPr lang="en-US" altLang="ko-KR" dirty="0"/>
-                <a:t>3</a:t>
-              </a:r>
-              <a:endParaRPr lang="ko-KR" altLang="en-US" dirty="0"/>
-            </a:p>
-          </p:txBody>
-        </p:sp>
-      </p:grpSp>
-      <p:sp>
-        <p:nvSpPr>
-          <p:cNvPr id="37" name="직사각형 36">
-            <a:extLst>
-              <a:ext uri="{FF2B5EF4-FFF2-40B4-BE49-F238E27FC236}">
-                <a16:creationId xmlns:a16="http://schemas.microsoft.com/office/drawing/2014/main" id="{A358779C-A9D3-4A72-A7A3-7D04939DDA08}"/>
-              </a:ext>
-            </a:extLst>
-          </p:cNvPr>
-          <p:cNvSpPr/>
-          <p:nvPr/>
-        </p:nvSpPr>
-        <p:spPr>
-          <a:xfrm>
-            <a:off x="5284206" y="5137590"/>
-            <a:ext cx="1038452" cy="262928"/>
-          </a:xfrm>
-          <a:prstGeom prst="rect">
-            <a:avLst/>
-          </a:prstGeom>
-          <a:solidFill>
-            <a:schemeClr val="accent4">
-              <a:lumMod val="40000"/>
-              <a:lumOff val="60000"/>
-            </a:schemeClr>
-          </a:solidFill>
-        </p:spPr>
-        <p:style>
-          <a:lnRef idx="2">
-            <a:schemeClr val="accent1">
-              <a:shade val="50000"/>
-            </a:schemeClr>
-          </a:lnRef>
-          <a:fillRef idx="1">
-            <a:schemeClr val="accent1"/>
-          </a:fillRef>
-          <a:effectRef idx="0">
-            <a:schemeClr val="accent1"/>
-          </a:effectRef>
-          <a:fontRef idx="minor">
-            <a:schemeClr val="lt1"/>
-          </a:fontRef>
-        </p:style>
-        <p:txBody>
-          <a:bodyPr rtlCol="0" anchor="ctr"/>
-          <a:lstStyle/>
-          <a:p>
-            <a:pPr algn="ctr"/>
-            <a:r>
-              <a:rPr lang="ko-KR" altLang="en-US" dirty="0">
-                <a:solidFill>
-                  <a:schemeClr val="tx1"/>
-                </a:solidFill>
-              </a:rPr>
-              <a:t>홍길동</a:t>
-            </a:r>
-          </a:p>
-        </p:txBody>
-      </p:sp>
-      <p:sp>
-        <p:nvSpPr>
-          <p:cNvPr id="38" name="직사각형 37">
-            <a:extLst>
-              <a:ext uri="{FF2B5EF4-FFF2-40B4-BE49-F238E27FC236}">
-                <a16:creationId xmlns:a16="http://schemas.microsoft.com/office/drawing/2014/main" id="{58CD8B42-414E-4F5B-95CF-54964639A207}"/>
-              </a:ext>
-            </a:extLst>
-          </p:cNvPr>
-          <p:cNvSpPr/>
-          <p:nvPr/>
-        </p:nvSpPr>
-        <p:spPr>
-          <a:xfrm>
-            <a:off x="9492148" y="2449138"/>
-            <a:ext cx="1038452" cy="644082"/>
-          </a:xfrm>
-          <a:prstGeom prst="rect">
-            <a:avLst/>
-          </a:prstGeom>
-          <a:solidFill>
-            <a:schemeClr val="accent4">
-              <a:lumMod val="40000"/>
-              <a:lumOff val="60000"/>
-            </a:schemeClr>
-          </a:solidFill>
-        </p:spPr>
-        <p:style>
-          <a:lnRef idx="2">
-            <a:schemeClr val="accent1">
-              <a:shade val="50000"/>
-            </a:schemeClr>
-          </a:lnRef>
-          <a:fillRef idx="1">
-            <a:schemeClr val="accent1"/>
-          </a:fillRef>
-          <a:effectRef idx="0">
-            <a:schemeClr val="accent1"/>
-          </a:effectRef>
-          <a:fontRef idx="minor">
-            <a:schemeClr val="lt1"/>
-          </a:fontRef>
-        </p:style>
-        <p:txBody>
-          <a:bodyPr rtlCol="0" anchor="ctr"/>
-          <a:lstStyle/>
-          <a:p>
-            <a:pPr algn="ctr"/>
-            <a:r>
-              <a:rPr lang="ko-KR" altLang="en-US" dirty="0">
-                <a:solidFill>
-                  <a:schemeClr val="tx1"/>
-                </a:solidFill>
-              </a:rPr>
-              <a:t>교정관</a:t>
-            </a:r>
-          </a:p>
-        </p:txBody>
-      </p:sp>
-      <p:sp>
-        <p:nvSpPr>
-          <p:cNvPr id="39" name="직사각형 38">
-            <a:extLst>
-              <a:ext uri="{FF2B5EF4-FFF2-40B4-BE49-F238E27FC236}">
-                <a16:creationId xmlns:a16="http://schemas.microsoft.com/office/drawing/2014/main" id="{76E2357D-179B-49AA-9CBF-0E80FDC3214A}"/>
-              </a:ext>
-            </a:extLst>
-          </p:cNvPr>
-          <p:cNvSpPr/>
-          <p:nvPr/>
-        </p:nvSpPr>
-        <p:spPr>
-          <a:xfrm>
-            <a:off x="8658781" y="5992530"/>
-            <a:ext cx="1038452" cy="644082"/>
-          </a:xfrm>
-          <a:prstGeom prst="rect">
-            <a:avLst/>
-          </a:prstGeom>
-          <a:solidFill>
-            <a:schemeClr val="accent4">
-              <a:lumMod val="40000"/>
-              <a:lumOff val="60000"/>
-            </a:schemeClr>
-          </a:solidFill>
-        </p:spPr>
-        <p:style>
-          <a:lnRef idx="2">
-            <a:schemeClr val="accent1">
-              <a:shade val="50000"/>
-            </a:schemeClr>
-          </a:lnRef>
-          <a:fillRef idx="1">
-            <a:schemeClr val="accent1"/>
-          </a:fillRef>
-          <a:effectRef idx="0">
-            <a:schemeClr val="accent1"/>
-          </a:effectRef>
-          <a:fontRef idx="minor">
-            <a:schemeClr val="lt1"/>
-          </a:fontRef>
-        </p:style>
-        <p:txBody>
-          <a:bodyPr rtlCol="0" anchor="ctr"/>
-          <a:lstStyle/>
-          <a:p>
-            <a:pPr algn="ctr"/>
-            <a:r>
-              <a:rPr lang="ko-KR" altLang="en-US" dirty="0">
-                <a:solidFill>
-                  <a:schemeClr val="tx1"/>
-                </a:solidFill>
-              </a:rPr>
-              <a:t>교감</a:t>
-            </a:r>
-          </a:p>
-        </p:txBody>
-      </p:sp>
-      <p:sp>
-        <p:nvSpPr>
-          <p:cNvPr id="40" name="직사각형 39">
-            <a:extLst>
-              <a:ext uri="{FF2B5EF4-FFF2-40B4-BE49-F238E27FC236}">
-                <a16:creationId xmlns:a16="http://schemas.microsoft.com/office/drawing/2014/main" id="{73650CCD-C1E6-4F20-BDA2-E7D63DC12BD4}"/>
-              </a:ext>
-            </a:extLst>
-          </p:cNvPr>
-          <p:cNvSpPr/>
-          <p:nvPr/>
-        </p:nvSpPr>
-        <p:spPr>
-          <a:xfrm>
-            <a:off x="10325970" y="6181699"/>
-            <a:ext cx="1038452" cy="644082"/>
-          </a:xfrm>
-          <a:prstGeom prst="rect">
-            <a:avLst/>
-          </a:prstGeom>
-          <a:solidFill>
-            <a:schemeClr val="accent4">
-              <a:lumMod val="40000"/>
-              <a:lumOff val="60000"/>
-            </a:schemeClr>
-          </a:solidFill>
-        </p:spPr>
-        <p:style>
-          <a:lnRef idx="2">
-            <a:schemeClr val="accent1">
-              <a:shade val="50000"/>
-            </a:schemeClr>
-          </a:lnRef>
-          <a:fillRef idx="1">
-            <a:schemeClr val="accent1"/>
-          </a:fillRef>
-          <a:effectRef idx="0">
-            <a:schemeClr val="accent1"/>
-          </a:effectRef>
-          <a:fontRef idx="minor">
-            <a:schemeClr val="lt1"/>
-          </a:fontRef>
-        </p:style>
-        <p:txBody>
-          <a:bodyPr rtlCol="0" anchor="ctr"/>
-          <a:lstStyle/>
-          <a:p>
-            <a:pPr algn="ctr"/>
-            <a:r>
-              <a:rPr lang="ko-KR" altLang="en-US" dirty="0">
-                <a:solidFill>
-                  <a:schemeClr val="tx1"/>
-                </a:solidFill>
-              </a:rPr>
-              <a:t>외부인</a:t>
-            </a:r>
-          </a:p>
-        </p:txBody>
-      </p:sp>
-      <p:sp>
-        <p:nvSpPr>
-          <p:cNvPr id="41" name="직사각형 40">
-            <a:extLst>
-              <a:ext uri="{FF2B5EF4-FFF2-40B4-BE49-F238E27FC236}">
-                <a16:creationId xmlns:a16="http://schemas.microsoft.com/office/drawing/2014/main" id="{959B7565-66AD-4B8C-AE34-752D1F3CB4BF}"/>
-              </a:ext>
-            </a:extLst>
-          </p:cNvPr>
-          <p:cNvSpPr/>
-          <p:nvPr/>
-        </p:nvSpPr>
-        <p:spPr>
-          <a:xfrm>
-            <a:off x="3746950" y="4287967"/>
-            <a:ext cx="1038452" cy="262928"/>
-          </a:xfrm>
-          <a:prstGeom prst="rect">
-            <a:avLst/>
-          </a:prstGeom>
-          <a:solidFill>
-            <a:schemeClr val="accent4">
-              <a:lumMod val="40000"/>
-              <a:lumOff val="60000"/>
-            </a:schemeClr>
-          </a:solidFill>
-        </p:spPr>
-        <p:style>
-          <a:lnRef idx="2">
-            <a:schemeClr val="accent1">
-              <a:shade val="50000"/>
-            </a:schemeClr>
-          </a:lnRef>
-          <a:fillRef idx="1">
-            <a:schemeClr val="accent1"/>
-          </a:fillRef>
-          <a:effectRef idx="0">
-            <a:schemeClr val="accent1"/>
-          </a:effectRef>
-          <a:fontRef idx="minor">
-            <a:schemeClr val="lt1"/>
-          </a:fontRef>
-        </p:style>
-        <p:txBody>
-          <a:bodyPr rtlCol="0" anchor="ctr"/>
-          <a:lstStyle/>
-          <a:p>
-            <a:pPr algn="ctr"/>
-            <a:r>
-              <a:rPr lang="ko-KR" altLang="en-US" dirty="0">
-                <a:solidFill>
-                  <a:schemeClr val="tx1"/>
-                </a:solidFill>
-              </a:rPr>
-              <a:t>교도관</a:t>
-            </a:r>
-          </a:p>
-        </p:txBody>
-      </p:sp>
-    </p:spTree>
-    <p:extLst>
-      <p:ext uri="{BB962C8B-B14F-4D97-AF65-F5344CB8AC3E}">
-        <p14:creationId xmlns:p14="http://schemas.microsoft.com/office/powerpoint/2010/main" val="2040037684"/>
-      </p:ext>
-    </p:extLst>
-  </p:cSld>
-  <p:clrMapOvr>
-    <a:masterClrMapping/>
-  </p:clrMapOvr>
-  <p:timing>
-    <p:tnLst>
-      <p:par>
-        <p:cTn id="1" dur="indefinite" restart="never" nodeType="tmRoot">
-          <p:childTnLst>
-            <p:seq concurrent="1" nextAc="seek">
-              <p:cTn id="2" dur="indefinite" nodeType="mainSeq">
-                <p:childTnLst>
-                  <p:par>
-                    <p:cTn id="3" fill="hold">
-                      <p:stCondLst>
-                        <p:cond delay="indefinite"/>
-                      </p:stCondLst>
-                      <p:childTnLst>
-                        <p:par>
-                          <p:cTn id="4" fill="hold">
-                            <p:stCondLst>
-                              <p:cond delay="0"/>
-                            </p:stCondLst>
-                            <p:childTnLst>
-                              <p:par>
-                                <p:cTn id="5" presetID="1" presetClass="entr" presetSubtype="0" fill="hold" nodeType="clickEffect">
-                                  <p:stCondLst>
-                                    <p:cond delay="0"/>
-                                  </p:stCondLst>
-                                  <p:childTnLst>
-                                    <p:set>
-                                      <p:cBhvr>
-                                        <p:cTn id="6" dur="1" fill="hold">
-                                          <p:stCondLst>
-                                            <p:cond delay="0"/>
-                                          </p:stCondLst>
-                                        </p:cTn>
-                                        <p:tgtEl>
-                                          <p:spTgt spid="12"/>
-                                        </p:tgtEl>
-                                        <p:attrNameLst>
-                                          <p:attrName>style.visibility</p:attrName>
-                                        </p:attrNameLst>
-                                      </p:cBhvr>
-                                      <p:to>
-                                        <p:strVal val="visible"/>
-                                      </p:to>
-                                    </p:set>
-                                  </p:childTnLst>
-                                </p:cTn>
-                              </p:par>
-                              <p:par>
-                                <p:cTn id="7" presetID="1" presetClass="entr" presetSubtype="0" fill="hold" grpId="0" nodeType="withEffect">
-                                  <p:stCondLst>
-                                    <p:cond delay="0"/>
-                                  </p:stCondLst>
-                                  <p:childTnLst>
-                                    <p:set>
-                                      <p:cBhvr>
-                                        <p:cTn id="8" dur="1" fill="hold">
-                                          <p:stCondLst>
-                                            <p:cond delay="0"/>
-                                          </p:stCondLst>
-                                        </p:cTn>
-                                        <p:tgtEl>
-                                          <p:spTgt spid="22"/>
-                                        </p:tgtEl>
-                                        <p:attrNameLst>
-                                          <p:attrName>style.visibility</p:attrName>
-                                        </p:attrNameLst>
-                                      </p:cBhvr>
-                                      <p:to>
-                                        <p:strVal val="visible"/>
-                                      </p:to>
-                                    </p:set>
-                                  </p:childTnLst>
-                                </p:cTn>
-                              </p:par>
-                            </p:childTnLst>
-                          </p:cTn>
-                        </p:par>
-                      </p:childTnLst>
-                    </p:cTn>
-                  </p:par>
-                  <p:par>
-                    <p:cTn id="9" fill="hold">
-                      <p:stCondLst>
-                        <p:cond delay="indefinite"/>
-                      </p:stCondLst>
-                      <p:childTnLst>
-                        <p:par>
-                          <p:cTn id="10" fill="hold">
-                            <p:stCondLst>
-                              <p:cond delay="0"/>
-                            </p:stCondLst>
-                            <p:childTnLst>
-                              <p:par>
-                                <p:cTn id="11" presetID="1" presetClass="entr" presetSubtype="0" fill="hold" grpId="0" nodeType="clickEffect">
-                                  <p:stCondLst>
-                                    <p:cond delay="0"/>
-                                  </p:stCondLst>
-                                  <p:childTnLst>
-                                    <p:set>
-                                      <p:cBhvr>
-                                        <p:cTn id="12" dur="1" fill="hold">
-                                          <p:stCondLst>
-                                            <p:cond delay="0"/>
-                                          </p:stCondLst>
-                                        </p:cTn>
-                                        <p:tgtEl>
-                                          <p:spTgt spid="3"/>
-                                        </p:tgtEl>
-                                        <p:attrNameLst>
-                                          <p:attrName>style.visibility</p:attrName>
-                                        </p:attrNameLst>
-                                      </p:cBhvr>
-                                      <p:to>
-                                        <p:strVal val="visible"/>
-                                      </p:to>
-                                    </p:set>
-                                  </p:childTnLst>
-                                </p:cTn>
-                              </p:par>
-                              <p:par>
-                                <p:cTn id="13" presetID="1" presetClass="entr" presetSubtype="0" fill="hold" nodeType="withEffect">
-                                  <p:stCondLst>
-                                    <p:cond delay="0"/>
-                                  </p:stCondLst>
-                                  <p:childTnLst>
-                                    <p:set>
-                                      <p:cBhvr>
-                                        <p:cTn id="14" dur="1" fill="hold">
-                                          <p:stCondLst>
-                                            <p:cond delay="0"/>
-                                          </p:stCondLst>
-                                        </p:cTn>
-                                        <p:tgtEl>
-                                          <p:spTgt spid="16"/>
-                                        </p:tgtEl>
-                                        <p:attrNameLst>
-                                          <p:attrName>style.visibility</p:attrName>
-                                        </p:attrNameLst>
-                                      </p:cBhvr>
-                                      <p:to>
-                                        <p:strVal val="visible"/>
-                                      </p:to>
-                                    </p:set>
-                                  </p:childTnLst>
-                                </p:cTn>
-                              </p:par>
-                            </p:childTnLst>
-                          </p:cTn>
-                        </p:par>
-                      </p:childTnLst>
-                    </p:cTn>
-                  </p:par>
-                  <p:par>
-                    <p:cTn id="15" fill="hold">
-                      <p:stCondLst>
-                        <p:cond delay="indefinite"/>
-                      </p:stCondLst>
-                      <p:childTnLst>
-                        <p:par>
-                          <p:cTn id="16" fill="hold">
-                            <p:stCondLst>
-                              <p:cond delay="0"/>
-                            </p:stCondLst>
-                            <p:childTnLst>
-                              <p:par>
-                                <p:cTn id="17" presetID="1" presetClass="entr" presetSubtype="0" fill="hold" nodeType="clickEffect">
-                                  <p:stCondLst>
-                                    <p:cond delay="0"/>
-                                  </p:stCondLst>
-                                  <p:childTnLst>
-                                    <p:set>
-                                      <p:cBhvr>
-                                        <p:cTn id="18" dur="1" fill="hold">
-                                          <p:stCondLst>
-                                            <p:cond delay="0"/>
-                                          </p:stCondLst>
-                                        </p:cTn>
-                                        <p:tgtEl>
-                                          <p:spTgt spid="34"/>
-                                        </p:tgtEl>
-                                        <p:attrNameLst>
-                                          <p:attrName>style.visibility</p:attrName>
-                                        </p:attrNameLst>
-                                      </p:cBhvr>
-                                      <p:to>
-                                        <p:strVal val="visible"/>
-                                      </p:to>
-                                    </p:set>
-                                  </p:childTnLst>
-                                </p:cTn>
-                              </p:par>
-                            </p:childTnLst>
-                          </p:cTn>
-                        </p:par>
-                      </p:childTnLst>
-                    </p:cTn>
-                  </p:par>
-                </p:childTnLst>
-              </p:cTn>
-              <p:prevCondLst>
-                <p:cond evt="onPrev" delay="0">
-                  <p:tgtEl>
-                    <p:sldTgt/>
-                  </p:tgtEl>
-                </p:cond>
-              </p:prevCondLst>
-              <p:nextCondLst>
-                <p:cond evt="onNext" delay="0">
-                  <p:tgtEl>
-                    <p:sldTgt/>
-                  </p:tgtEl>
-                </p:cond>
-              </p:nextCondLst>
-            </p:seq>
-          </p:childTnLst>
-        </p:cTn>
-      </p:par>
-    </p:tnLst>
-    <p:bldLst>
-      <p:bldP spid="3" grpId="0" animBg="1"/>
-      <p:bldP spid="22" grpId="0" animBg="1"/>
-    </p:bldLst>
-  </p:timing>
-</p:sld>
-</file>
-
-<file path=ppt/slides/slide5.xml><?xml version="1.0" encoding="utf-8"?>
 <p:sld xmlns:a="http://schemas.openxmlformats.org/drawingml/2006/main" xmlns:r="http://schemas.openxmlformats.org/officeDocument/2006/relationships" xmlns:p="http://schemas.openxmlformats.org/presentationml/2006/main">
   <p:cSld>
     <p:spTree>
@@ -24097,7 +22398,7 @@
 </p:sld>
 </file>
 
-<file path=ppt/slides/slide6.xml><?xml version="1.0" encoding="utf-8"?>
+<file path=ppt/slides/slide5.xml><?xml version="1.0" encoding="utf-8"?>
 <p:sld xmlns:a="http://schemas.openxmlformats.org/drawingml/2006/main" xmlns:r="http://schemas.openxmlformats.org/officeDocument/2006/relationships" xmlns:p="http://schemas.openxmlformats.org/presentationml/2006/main">
   <p:cSld>
     <p:spTree>
@@ -25793,7 +24094,7 @@
 </p:sld>
 </file>
 
-<file path=ppt/slides/slide7.xml><?xml version="1.0" encoding="utf-8"?>
+<file path=ppt/slides/slide6.xml><?xml version="1.0" encoding="utf-8"?>
 <p:sld xmlns:a="http://schemas.openxmlformats.org/drawingml/2006/main" xmlns:r="http://schemas.openxmlformats.org/officeDocument/2006/relationships" xmlns:p="http://schemas.openxmlformats.org/presentationml/2006/main">
   <p:cSld>
     <p:spTree>
@@ -27483,7 +25784,7 @@
 </p:sld>
 </file>
 
-<file path=ppt/slides/slide8.xml><?xml version="1.0" encoding="utf-8"?>
+<file path=ppt/slides/slide7.xml><?xml version="1.0" encoding="utf-8"?>
 <p:sld xmlns:a="http://schemas.openxmlformats.org/drawingml/2006/main" xmlns:r="http://schemas.openxmlformats.org/officeDocument/2006/relationships" xmlns:p="http://schemas.openxmlformats.org/presentationml/2006/main">
   <p:cSld>
     <p:spTree>
@@ -28977,7 +27278,7 @@
 </p:sld>
 </file>
 
-<file path=ppt/slides/slide9.xml><?xml version="1.0" encoding="utf-8"?>
+<file path=ppt/slides/slide8.xml><?xml version="1.0" encoding="utf-8"?>
 <p:sld xmlns:a="http://schemas.openxmlformats.org/drawingml/2006/main" xmlns:r="http://schemas.openxmlformats.org/officeDocument/2006/relationships" xmlns:p="http://schemas.openxmlformats.org/presentationml/2006/main">
   <p:cSld>
     <p:spTree>
@@ -29661,6 +27962,127 @@
 </p:sld>
 </file>
 
+<file path=ppt/slides/slide9.xml><?xml version="1.0" encoding="utf-8"?>
+<p:sld xmlns:a="http://schemas.openxmlformats.org/drawingml/2006/main" xmlns:r="http://schemas.openxmlformats.org/officeDocument/2006/relationships" xmlns:p="http://schemas.openxmlformats.org/presentationml/2006/main">
+  <p:cSld>
+    <p:spTree>
+      <p:nvGrpSpPr>
+        <p:cNvPr id="1" name=""/>
+        <p:cNvGrpSpPr/>
+        <p:nvPr/>
+      </p:nvGrpSpPr>
+      <p:grpSpPr>
+        <a:xfrm>
+          <a:off x="0" y="0"/>
+          <a:ext cx="0" cy="0"/>
+          <a:chOff x="0" y="0"/>
+          <a:chExt cx="0" cy="0"/>
+        </a:xfrm>
+      </p:grpSpPr>
+      <p:sp>
+        <p:nvSpPr>
+          <p:cNvPr id="2" name="제목 1">
+            <a:extLst>
+              <a:ext uri="{FF2B5EF4-FFF2-40B4-BE49-F238E27FC236}">
+                <a16:creationId xmlns:a16="http://schemas.microsoft.com/office/drawing/2014/main" id="{FDE4188D-53A4-45B4-8ABF-6ADB9C55A222}"/>
+              </a:ext>
+            </a:extLst>
+          </p:cNvPr>
+          <p:cNvSpPr>
+            <a:spLocks noGrp="1"/>
+          </p:cNvSpPr>
+          <p:nvPr>
+            <p:ph type="title"/>
+          </p:nvPr>
+        </p:nvSpPr>
+        <p:spPr/>
+        <p:txBody>
+          <a:bodyPr/>
+          <a:lstStyle/>
+          <a:p>
+            <a:r>
+              <a:rPr lang="ko-KR" altLang="en-US"/>
+              <a:t>왜 일어날까</a:t>
+            </a:r>
+            <a:r>
+              <a:rPr lang="en-US" altLang="ko-KR"/>
+              <a:t>?</a:t>
+            </a:r>
+            <a:endParaRPr lang="ko-KR" altLang="en-US"/>
+          </a:p>
+        </p:txBody>
+      </p:sp>
+      <p:sp>
+        <p:nvSpPr>
+          <p:cNvPr id="3" name="내용 개체 틀 2">
+            <a:extLst>
+              <a:ext uri="{FF2B5EF4-FFF2-40B4-BE49-F238E27FC236}">
+                <a16:creationId xmlns:a16="http://schemas.microsoft.com/office/drawing/2014/main" id="{7EEED22F-93A6-4D1B-BCBE-3DF9EE21EB79}"/>
+              </a:ext>
+            </a:extLst>
+          </p:cNvPr>
+          <p:cNvSpPr>
+            <a:spLocks noGrp="1"/>
+          </p:cNvSpPr>
+          <p:nvPr>
+            <p:ph idx="1"/>
+          </p:nvPr>
+        </p:nvSpPr>
+        <p:spPr/>
+        <p:txBody>
+          <a:bodyPr/>
+          <a:lstStyle/>
+          <a:p>
+            <a:r>
+              <a:rPr lang="en-US" altLang="ko-KR"/>
+              <a:t>.. </a:t>
+            </a:r>
+            <a:r>
+              <a:rPr lang="ko-KR" altLang="en-US"/>
+              <a:t>서버 코드를 확인하여 왜 로그인이 되는지 알아보자</a:t>
+            </a:r>
+            <a:endParaRPr lang="en-US" altLang="ko-KR"/>
+          </a:p>
+          <a:p>
+            <a:endParaRPr lang="en-US" altLang="ko-KR"/>
+          </a:p>
+          <a:p>
+            <a:endParaRPr lang="en-US" altLang="ko-KR"/>
+          </a:p>
+          <a:p>
+            <a:endParaRPr lang="en-US" altLang="ko-KR"/>
+          </a:p>
+          <a:p>
+            <a:pPr algn="ctr"/>
+            <a:r>
+              <a:rPr lang="en-US" altLang="ko-KR"/>
+              <a:t>&lt;</a:t>
+            </a:r>
+            <a:r>
+              <a:rPr lang="ko-KR" altLang="en-US"/>
+              <a:t>실습 참조</a:t>
+            </a:r>
+            <a:r>
+              <a:rPr lang="en-US" altLang="ko-KR"/>
+              <a:t>&gt;</a:t>
+            </a:r>
+            <a:endParaRPr lang="ko-KR" altLang="en-US"/>
+          </a:p>
+        </p:txBody>
+      </p:sp>
+    </p:spTree>
+    <p:extLst>
+      <p:ext uri="{BB962C8B-B14F-4D97-AF65-F5344CB8AC3E}">
+        <p14:creationId xmlns:p14="http://schemas.microsoft.com/office/powerpoint/2010/main" val="2388041525"/>
+      </p:ext>
+    </p:extLst>
+  </p:cSld>
+  <p:clrMapOvr>
+    <a:masterClrMapping/>
+  </p:clrMapOvr>
+</p:sld>
+</file>
+
 <file path=ppt/theme/theme1.xml><?xml version="1.0" encoding="utf-8"?>
 <a:theme xmlns:a="http://schemas.openxmlformats.org/drawingml/2006/main" name="Office 테마">
   <a:themeElements>
